--- a/01. Aula 1 - Conhecendo o computador hardware e software.pptx
+++ b/01. Aula 1 - Conhecendo o computador hardware e software.pptx
@@ -269,7 +269,7 @@
           <a:p>
             <a:fld id="{5BE4AE3D-0C01-4BA3-8A5C-B73C797FA33E}" type="datetimeFigureOut">
               <a:rPr lang="pt-BR" smtClean="0"/>
-              <a:t>18/07/2022</a:t>
+              <a:t>19/07/2022</a:t>
             </a:fld>
             <a:endParaRPr lang="pt-BR"/>
           </a:p>
@@ -469,7 +469,7 @@
           <a:p>
             <a:fld id="{5BE4AE3D-0C01-4BA3-8A5C-B73C797FA33E}" type="datetimeFigureOut">
               <a:rPr lang="pt-BR" smtClean="0"/>
-              <a:t>18/07/2022</a:t>
+              <a:t>19/07/2022</a:t>
             </a:fld>
             <a:endParaRPr lang="pt-BR"/>
           </a:p>
@@ -679,7 +679,7 @@
           <a:p>
             <a:fld id="{5BE4AE3D-0C01-4BA3-8A5C-B73C797FA33E}" type="datetimeFigureOut">
               <a:rPr lang="pt-BR" smtClean="0"/>
-              <a:t>18/07/2022</a:t>
+              <a:t>19/07/2022</a:t>
             </a:fld>
             <a:endParaRPr lang="pt-BR"/>
           </a:p>
@@ -879,7 +879,7 @@
           <a:p>
             <a:fld id="{5BE4AE3D-0C01-4BA3-8A5C-B73C797FA33E}" type="datetimeFigureOut">
               <a:rPr lang="pt-BR" smtClean="0"/>
-              <a:t>18/07/2022</a:t>
+              <a:t>19/07/2022</a:t>
             </a:fld>
             <a:endParaRPr lang="pt-BR"/>
           </a:p>
@@ -1155,7 +1155,7 @@
           <a:p>
             <a:fld id="{5BE4AE3D-0C01-4BA3-8A5C-B73C797FA33E}" type="datetimeFigureOut">
               <a:rPr lang="pt-BR" smtClean="0"/>
-              <a:t>18/07/2022</a:t>
+              <a:t>19/07/2022</a:t>
             </a:fld>
             <a:endParaRPr lang="pt-BR"/>
           </a:p>
@@ -1423,7 +1423,7 @@
           <a:p>
             <a:fld id="{5BE4AE3D-0C01-4BA3-8A5C-B73C797FA33E}" type="datetimeFigureOut">
               <a:rPr lang="pt-BR" smtClean="0"/>
-              <a:t>18/07/2022</a:t>
+              <a:t>19/07/2022</a:t>
             </a:fld>
             <a:endParaRPr lang="pt-BR"/>
           </a:p>
@@ -1838,7 +1838,7 @@
           <a:p>
             <a:fld id="{5BE4AE3D-0C01-4BA3-8A5C-B73C797FA33E}" type="datetimeFigureOut">
               <a:rPr lang="pt-BR" smtClean="0"/>
-              <a:t>18/07/2022</a:t>
+              <a:t>19/07/2022</a:t>
             </a:fld>
             <a:endParaRPr lang="pt-BR"/>
           </a:p>
@@ -1980,7 +1980,7 @@
           <a:p>
             <a:fld id="{5BE4AE3D-0C01-4BA3-8A5C-B73C797FA33E}" type="datetimeFigureOut">
               <a:rPr lang="pt-BR" smtClean="0"/>
-              <a:t>18/07/2022</a:t>
+              <a:t>19/07/2022</a:t>
             </a:fld>
             <a:endParaRPr lang="pt-BR"/>
           </a:p>
@@ -2093,7 +2093,7 @@
           <a:p>
             <a:fld id="{5BE4AE3D-0C01-4BA3-8A5C-B73C797FA33E}" type="datetimeFigureOut">
               <a:rPr lang="pt-BR" smtClean="0"/>
-              <a:t>18/07/2022</a:t>
+              <a:t>19/07/2022</a:t>
             </a:fld>
             <a:endParaRPr lang="pt-BR"/>
           </a:p>
@@ -2406,7 +2406,7 @@
           <a:p>
             <a:fld id="{5BE4AE3D-0C01-4BA3-8A5C-B73C797FA33E}" type="datetimeFigureOut">
               <a:rPr lang="pt-BR" smtClean="0"/>
-              <a:t>18/07/2022</a:t>
+              <a:t>19/07/2022</a:t>
             </a:fld>
             <a:endParaRPr lang="pt-BR"/>
           </a:p>
@@ -2695,7 +2695,7 @@
           <a:p>
             <a:fld id="{5BE4AE3D-0C01-4BA3-8A5C-B73C797FA33E}" type="datetimeFigureOut">
               <a:rPr lang="pt-BR" smtClean="0"/>
-              <a:t>18/07/2022</a:t>
+              <a:t>19/07/2022</a:t>
             </a:fld>
             <a:endParaRPr lang="pt-BR"/>
           </a:p>
@@ -2938,7 +2938,7 @@
           <a:p>
             <a:fld id="{5BE4AE3D-0C01-4BA3-8A5C-B73C797FA33E}" type="datetimeFigureOut">
               <a:rPr lang="pt-BR" smtClean="0"/>
-              <a:t>18/07/2022</a:t>
+              <a:t>19/07/2022</a:t>
             </a:fld>
             <a:endParaRPr lang="pt-BR"/>
           </a:p>
@@ -3378,12 +3378,21 @@
           </a:xfrm>
         </p:spPr>
         <p:txBody>
-          <a:bodyPr/>
+          <a:bodyPr>
+            <a:normAutofit fontScale="90000"/>
+          </a:bodyPr>
           <a:lstStyle/>
           <a:p>
             <a:r>
               <a:rPr lang="pt-BR" dirty="0"/>
               <a:t>Conhecendo o computador</a:t>
+            </a:r>
+            <a:br>
+              <a:rPr lang="pt-BR" dirty="0"/>
+            </a:br>
+            <a:r>
+              <a:rPr lang="pt-BR" dirty="0"/>
+              <a:t>alteração 19/07/22</a:t>
             </a:r>
           </a:p>
         </p:txBody>
